--- a/doc/INNOVATION.pptx
+++ b/doc/INNOVATION.pptx
@@ -7,17 +7,18 @@
   <p:sldIdLst>
     <p:sldId id="256" r:id="rId2"/>
     <p:sldId id="257" r:id="rId3"/>
-    <p:sldId id="258" r:id="rId4"/>
-    <p:sldId id="259" r:id="rId5"/>
-    <p:sldId id="260" r:id="rId6"/>
-    <p:sldId id="261" r:id="rId7"/>
-    <p:sldId id="262" r:id="rId8"/>
-    <p:sldId id="263" r:id="rId9"/>
-    <p:sldId id="264" r:id="rId10"/>
-    <p:sldId id="265" r:id="rId11"/>
-    <p:sldId id="266" r:id="rId12"/>
-    <p:sldId id="267" r:id="rId13"/>
-    <p:sldId id="268" r:id="rId14"/>
+    <p:sldId id="269" r:id="rId4"/>
+    <p:sldId id="258" r:id="rId5"/>
+    <p:sldId id="259" r:id="rId6"/>
+    <p:sldId id="260" r:id="rId7"/>
+    <p:sldId id="261" r:id="rId8"/>
+    <p:sldId id="262" r:id="rId9"/>
+    <p:sldId id="263" r:id="rId10"/>
+    <p:sldId id="264" r:id="rId11"/>
+    <p:sldId id="265" r:id="rId12"/>
+    <p:sldId id="266" r:id="rId13"/>
+    <p:sldId id="267" r:id="rId14"/>
+    <p:sldId id="268" r:id="rId15"/>
   </p:sldIdLst>
   <p:sldSz cx="12192000" cy="6858000"/>
   <p:notesSz cx="6858000" cy="9144000"/>
@@ -271,7 +272,7 @@
           <a:p>
             <a:fld id="{2C02FEB4-A1EB-4983-BF79-F58634DEBD76}" type="datetimeFigureOut">
               <a:rPr lang="en-US" smtClean="0"/>
-              <a:t>7/30/2024</a:t>
+              <a:t>8/26/2024</a:t>
             </a:fld>
             <a:endParaRPr lang="en-US"/>
           </a:p>
@@ -469,7 +470,7 @@
           <a:p>
             <a:fld id="{2C02FEB4-A1EB-4983-BF79-F58634DEBD76}" type="datetimeFigureOut">
               <a:rPr lang="en-US" smtClean="0"/>
-              <a:t>7/30/2024</a:t>
+              <a:t>8/26/2024</a:t>
             </a:fld>
             <a:endParaRPr lang="en-US"/>
           </a:p>
@@ -677,7 +678,7 @@
           <a:p>
             <a:fld id="{2C02FEB4-A1EB-4983-BF79-F58634DEBD76}" type="datetimeFigureOut">
               <a:rPr lang="en-US" smtClean="0"/>
-              <a:t>7/30/2024</a:t>
+              <a:t>8/26/2024</a:t>
             </a:fld>
             <a:endParaRPr lang="en-US"/>
           </a:p>
@@ -875,7 +876,7 @@
           <a:p>
             <a:fld id="{2C02FEB4-A1EB-4983-BF79-F58634DEBD76}" type="datetimeFigureOut">
               <a:rPr lang="en-US" smtClean="0"/>
-              <a:t>7/30/2024</a:t>
+              <a:t>8/26/2024</a:t>
             </a:fld>
             <a:endParaRPr lang="en-US"/>
           </a:p>
@@ -1150,7 +1151,7 @@
           <a:p>
             <a:fld id="{2C02FEB4-A1EB-4983-BF79-F58634DEBD76}" type="datetimeFigureOut">
               <a:rPr lang="en-US" smtClean="0"/>
-              <a:t>7/30/2024</a:t>
+              <a:t>8/26/2024</a:t>
             </a:fld>
             <a:endParaRPr lang="en-US"/>
           </a:p>
@@ -1415,7 +1416,7 @@
           <a:p>
             <a:fld id="{2C02FEB4-A1EB-4983-BF79-F58634DEBD76}" type="datetimeFigureOut">
               <a:rPr lang="en-US" smtClean="0"/>
-              <a:t>7/30/2024</a:t>
+              <a:t>8/26/2024</a:t>
             </a:fld>
             <a:endParaRPr lang="en-US"/>
           </a:p>
@@ -1827,7 +1828,7 @@
           <a:p>
             <a:fld id="{2C02FEB4-A1EB-4983-BF79-F58634DEBD76}" type="datetimeFigureOut">
               <a:rPr lang="en-US" smtClean="0"/>
-              <a:t>7/30/2024</a:t>
+              <a:t>8/26/2024</a:t>
             </a:fld>
             <a:endParaRPr lang="en-US"/>
           </a:p>
@@ -1968,7 +1969,7 @@
           <a:p>
             <a:fld id="{2C02FEB4-A1EB-4983-BF79-F58634DEBD76}" type="datetimeFigureOut">
               <a:rPr lang="en-US" smtClean="0"/>
-              <a:t>7/30/2024</a:t>
+              <a:t>8/26/2024</a:t>
             </a:fld>
             <a:endParaRPr lang="en-US"/>
           </a:p>
@@ -2081,7 +2082,7 @@
           <a:p>
             <a:fld id="{2C02FEB4-A1EB-4983-BF79-F58634DEBD76}" type="datetimeFigureOut">
               <a:rPr lang="en-US" smtClean="0"/>
-              <a:t>7/30/2024</a:t>
+              <a:t>8/26/2024</a:t>
             </a:fld>
             <a:endParaRPr lang="en-US"/>
           </a:p>
@@ -2392,7 +2393,7 @@
           <a:p>
             <a:fld id="{2C02FEB4-A1EB-4983-BF79-F58634DEBD76}" type="datetimeFigureOut">
               <a:rPr lang="en-US" smtClean="0"/>
-              <a:t>7/30/2024</a:t>
+              <a:t>8/26/2024</a:t>
             </a:fld>
             <a:endParaRPr lang="en-US"/>
           </a:p>
@@ -2680,7 +2681,7 @@
           <a:p>
             <a:fld id="{2C02FEB4-A1EB-4983-BF79-F58634DEBD76}" type="datetimeFigureOut">
               <a:rPr lang="en-US" smtClean="0"/>
-              <a:t>7/30/2024</a:t>
+              <a:t>8/26/2024</a:t>
             </a:fld>
             <a:endParaRPr lang="en-US"/>
           </a:p>
@@ -2921,7 +2922,7 @@
           <a:p>
             <a:fld id="{2C02FEB4-A1EB-4983-BF79-F58634DEBD76}" type="datetimeFigureOut">
               <a:rPr lang="en-US" smtClean="0"/>
-              <a:t>7/30/2024</a:t>
+              <a:t>8/26/2024</a:t>
             </a:fld>
             <a:endParaRPr lang="en-US"/>
           </a:p>
@@ -3340,85 +3341,122 @@
       </p:grpSpPr>
       <p:sp>
         <p:nvSpPr>
-          <p:cNvPr id="2" name="Title 1">
-            <a:extLst>
-              <a:ext uri="{FF2B5EF4-FFF2-40B4-BE49-F238E27FC236}">
-                <a16:creationId xmlns:a16="http://schemas.microsoft.com/office/drawing/2014/main" id="{138154D0-9256-45FE-9537-1AA2375EB2F4}"/>
-              </a:ext>
-            </a:extLst>
-          </p:cNvPr>
-          <p:cNvSpPr>
-            <a:spLocks noGrp="1"/>
-          </p:cNvSpPr>
-          <p:nvPr>
-            <p:ph type="ctrTitle"/>
-          </p:nvPr>
+          <p:cNvPr id="3" name="Rectangle 2">
+            <a:extLst>
+              <a:ext uri="{FF2B5EF4-FFF2-40B4-BE49-F238E27FC236}">
+                <a16:creationId xmlns:a16="http://schemas.microsoft.com/office/drawing/2014/main" id="{E5F862E3-F7F3-415C-8E85-19321479D51C}"/>
+              </a:ext>
+            </a:extLst>
+          </p:cNvPr>
+          <p:cNvSpPr/>
+          <p:nvPr/>
         </p:nvSpPr>
         <p:spPr>
           <a:xfrm>
-            <a:off x="1438141" y="868362"/>
-            <a:ext cx="9144000" cy="2387600"/>
+            <a:off x="6467061" y="0"/>
+            <a:ext cx="5724937" cy="6858000"/>
           </a:xfrm>
+          <a:prstGeom prst="rect">
+            <a:avLst/>
+          </a:prstGeom>
+          <a:solidFill>
+            <a:schemeClr val="accent3">
+              <a:lumMod val="50000"/>
+            </a:schemeClr>
+          </a:solidFill>
         </p:spPr>
-        <p:txBody>
-          <a:bodyPr>
-            <a:normAutofit/>
-          </a:bodyPr>
-          <a:lstStyle/>
-          <a:p>
-            <a:r>
-              <a:rPr lang="en-US" sz="3200" b="1" dirty="0">
-                <a:latin typeface="Times New Roman" panose="02020603050405020304" pitchFamily="18" charset="0"/>
-                <a:cs typeface="Times New Roman" panose="02020603050405020304" pitchFamily="18" charset="0"/>
-              </a:rPr>
-              <a:t>CLARRISON KIPTIKEN</a:t>
-            </a:r>
-            <a:br>
-              <a:rPr lang="en-US" sz="3200" b="1" dirty="0">
-                <a:latin typeface="Times New Roman" panose="02020603050405020304" pitchFamily="18" charset="0"/>
-                <a:cs typeface="Times New Roman" panose="02020603050405020304" pitchFamily="18" charset="0"/>
-              </a:rPr>
-            </a:br>
-            <a:r>
-              <a:rPr lang="en-US" sz="3200" b="1" dirty="0">
-                <a:latin typeface="Times New Roman" panose="02020603050405020304" pitchFamily="18" charset="0"/>
-                <a:cs typeface="Times New Roman" panose="02020603050405020304" pitchFamily="18" charset="0"/>
-              </a:rPr>
-              <a:t>C025-01-2425/2019</a:t>
-            </a:r>
-            <a:br>
-              <a:rPr lang="en-US" sz="3200" b="1" dirty="0">
-                <a:latin typeface="Times New Roman" panose="02020603050405020304" pitchFamily="18" charset="0"/>
-                <a:cs typeface="Times New Roman" panose="02020603050405020304" pitchFamily="18" charset="0"/>
-              </a:rPr>
-            </a:br>
-            <a:endParaRPr lang="en-US" sz="3200" b="1" dirty="0">
-              <a:latin typeface="Times New Roman" panose="02020603050405020304" pitchFamily="18" charset="0"/>
-              <a:cs typeface="Times New Roman" panose="02020603050405020304" pitchFamily="18" charset="0"/>
-            </a:endParaRPr>
-          </a:p>
-        </p:txBody>
-      </p:sp>
-      <p:sp>
-        <p:nvSpPr>
-          <p:cNvPr id="5" name="Rectangle 2">
-            <a:extLst>
-              <a:ext uri="{FF2B5EF4-FFF2-40B4-BE49-F238E27FC236}">
-                <a16:creationId xmlns:a16="http://schemas.microsoft.com/office/drawing/2014/main" id="{8342904A-841F-37D1-137C-D012FE1C0627}"/>
-              </a:ext>
-            </a:extLst>
-          </p:cNvPr>
-          <p:cNvSpPr>
-            <a:spLocks noGrp="1" noChangeArrowheads="1"/>
-          </p:cNvSpPr>
-          <p:nvPr>
-            <p:ph type="subTitle" idx="1"/>
-          </p:nvPr>
-        </p:nvSpPr>
+        <p:style>
+          <a:lnRef idx="2">
+            <a:schemeClr val="accent1">
+              <a:shade val="50000"/>
+            </a:schemeClr>
+          </a:lnRef>
+          <a:fillRef idx="1">
+            <a:schemeClr val="accent1"/>
+          </a:fillRef>
+          <a:effectRef idx="0">
+            <a:schemeClr val="accent1"/>
+          </a:effectRef>
+          <a:fontRef idx="minor">
+            <a:schemeClr val="lt1"/>
+          </a:fontRef>
+        </p:style>
+        <p:txBody>
+          <a:bodyPr rtlCol="0" anchor="ctr"/>
+          <a:lstStyle/>
+          <a:p>
+            <a:pPr algn="ctr"/>
+            <a:endParaRPr lang="en-US"/>
+          </a:p>
+        </p:txBody>
+      </p:sp>
+      <p:pic>
+        <p:nvPicPr>
+          <p:cNvPr id="1026" name="Picture 2" descr="Why Andhra focuses on skilled workforce in advanced tech ...">
+            <a:extLst>
+              <a:ext uri="{FF2B5EF4-FFF2-40B4-BE49-F238E27FC236}">
+                <a16:creationId xmlns:a16="http://schemas.microsoft.com/office/drawing/2014/main" id="{21D77E05-0F84-46D6-BA0B-420626C9D498}"/>
+              </a:ext>
+            </a:extLst>
+          </p:cNvPr>
+          <p:cNvPicPr>
+            <a:picLocks noChangeAspect="1" noChangeArrowheads="1"/>
+          </p:cNvPicPr>
+          <p:nvPr/>
+        </p:nvPicPr>
+        <p:blipFill>
+          <a:blip r:embed="rId2">
+            <a:extLst>
+              <a:ext uri="{28A0092B-C50C-407E-A947-70E740481C1C}">
+                <a14:useLocalDpi xmlns:a14="http://schemas.microsoft.com/office/drawing/2010/main" val="0"/>
+              </a:ext>
+            </a:extLst>
+          </a:blip>
+          <a:srcRect/>
+          <a:stretch>
+            <a:fillRect/>
+          </a:stretch>
+        </p:blipFill>
         <p:spPr bwMode="auto">
           <a:xfrm>
-            <a:off x="1524000" y="3752811"/>
-            <a:ext cx="8899809" cy="1354217"/>
+            <a:off x="2" y="9028"/>
+            <a:ext cx="8825946" cy="6847996"/>
+          </a:xfrm>
+          <a:prstGeom prst="rect">
+            <a:avLst/>
+          </a:prstGeom>
+          <a:noFill/>
+          <a:extLst>
+            <a:ext uri="{909E8E84-426E-40DD-AFC4-6F175D3DCCD1}">
+              <a14:hiddenFill xmlns:a14="http://schemas.microsoft.com/office/drawing/2010/main">
+                <a:solidFill>
+                  <a:srgbClr val="FFFFFF"/>
+                </a:solidFill>
+              </a14:hiddenFill>
+            </a:ext>
+          </a:extLst>
+        </p:spPr>
+      </p:pic>
+      <p:sp>
+        <p:nvSpPr>
+          <p:cNvPr id="5" name="Rectangle 2">
+            <a:extLst>
+              <a:ext uri="{FF2B5EF4-FFF2-40B4-BE49-F238E27FC236}">
+                <a16:creationId xmlns:a16="http://schemas.microsoft.com/office/drawing/2014/main" id="{8342904A-841F-37D1-137C-D012FE1C0627}"/>
+              </a:ext>
+            </a:extLst>
+          </p:cNvPr>
+          <p:cNvSpPr>
+            <a:spLocks noGrp="1" noChangeArrowheads="1"/>
+          </p:cNvSpPr>
+          <p:nvPr>
+            <p:ph type="subTitle" idx="1"/>
+          </p:nvPr>
+        </p:nvSpPr>
+        <p:spPr bwMode="auto">
+          <a:xfrm>
+            <a:off x="7076661" y="2763134"/>
+            <a:ext cx="5115337" cy="2339102"/>
           </a:xfrm>
           <a:prstGeom prst="rect">
             <a:avLst/>
@@ -3458,7 +3496,7 @@
           </a:extLst>
         </p:spPr>
         <p:txBody>
-          <a:bodyPr vert="horz" wrap="none" lIns="91440" tIns="45720" rIns="91440" bIns="45720" numCol="1" anchor="ctr" anchorCtr="0" compatLnSpc="1">
+          <a:bodyPr vert="horz" wrap="square" lIns="91440" tIns="45720" rIns="91440" bIns="45720" numCol="1" anchor="ctr" anchorCtr="0" compatLnSpc="1">
             <a:prstTxWarp prst="textNoShape">
               <a:avLst/>
             </a:prstTxWarp>
@@ -3488,14 +3526,12 @@
                   <a:noFill/>
                 </a:ln>
                 <a:solidFill>
-                  <a:schemeClr val="bg2">
-                    <a:lumMod val="25000"/>
-                  </a:schemeClr>
+                  <a:srgbClr val="FF0000"/>
                 </a:solidFill>
                 <a:effectLst/>
                 <a:latin typeface="Arial" panose="020B0604020202020204" pitchFamily="34" charset="0"/>
               </a:rPr>
-              <a:t>Innovation Abstract: Advanced Technologies for </a:t>
+              <a:t>Innovation Abstract: Advanced Technologies for Environmental Change Tracking and Prediction</a:t>
             </a:r>
           </a:p>
           <a:p>
@@ -3516,51 +3552,94 @@
               <a:tabLst/>
             </a:pPr>
             <a:r>
-              <a:rPr kumimoji="0" lang="en-US" altLang="en-US" sz="3200" i="0" u="none" strike="noStrike" cap="none" normalizeH="0" baseline="0" dirty="0">
-                <a:ln>
-                  <a:noFill/>
-                </a:ln>
-                <a:solidFill>
-                  <a:schemeClr val="bg2">
-                    <a:lumMod val="25000"/>
-                  </a:schemeClr>
-                </a:solidFill>
-                <a:effectLst/>
-                <a:latin typeface="Arial" panose="020B0604020202020204" pitchFamily="34" charset="0"/>
-              </a:rPr>
-              <a:t>Environmental Change Tracking and Prediction</a:t>
-            </a:r>
-          </a:p>
-          <a:p>
-            <a:pPr marL="0" marR="0" lvl="0" indent="0" algn="l" defTabSz="914400" rtl="0" eaLnBrk="0" fontAlgn="base" latinLnBrk="0" hangingPunct="0">
-              <a:lnSpc>
-                <a:spcPct val="100000"/>
-              </a:lnSpc>
-              <a:spcBef>
-                <a:spcPct val="0"/>
-              </a:spcBef>
-              <a:spcAft>
-                <a:spcPct val="0"/>
-              </a:spcAft>
-              <a:buClrTx/>
-              <a:buSzTx/>
-              <a:buFontTx/>
-              <a:buNone/>
-              <a:tabLst/>
-            </a:pPr>
-            <a:r>
               <a:rPr kumimoji="0" lang="en-US" altLang="en-US" sz="1800" b="0" i="0" u="none" strike="noStrike" cap="none" normalizeH="0" baseline="0" dirty="0">
                 <a:ln>
                   <a:noFill/>
                 </a:ln>
                 <a:solidFill>
-                  <a:schemeClr val="tx1"/>
+                  <a:srgbClr val="FF0000"/>
                 </a:solidFill>
                 <a:effectLst/>
                 <a:latin typeface="Arial" panose="020B0604020202020204" pitchFamily="34" charset="0"/>
               </a:rPr>
               <a:t>       </a:t>
             </a:r>
+          </a:p>
+        </p:txBody>
+      </p:sp>
+      <p:sp>
+        <p:nvSpPr>
+          <p:cNvPr id="2" name="Title 1">
+            <a:extLst>
+              <a:ext uri="{FF2B5EF4-FFF2-40B4-BE49-F238E27FC236}">
+                <a16:creationId xmlns:a16="http://schemas.microsoft.com/office/drawing/2014/main" id="{138154D0-9256-45FE-9537-1AA2375EB2F4}"/>
+              </a:ext>
+            </a:extLst>
+          </p:cNvPr>
+          <p:cNvSpPr>
+            <a:spLocks noGrp="1"/>
+          </p:cNvSpPr>
+          <p:nvPr>
+            <p:ph type="ctrTitle"/>
+          </p:nvPr>
+        </p:nvSpPr>
+        <p:spPr>
+          <a:xfrm>
+            <a:off x="6861173" y="367220"/>
+            <a:ext cx="4777689" cy="2149693"/>
+          </a:xfrm>
+        </p:spPr>
+        <p:txBody>
+          <a:bodyPr>
+            <a:normAutofit/>
+          </a:bodyPr>
+          <a:lstStyle/>
+          <a:p>
+            <a:r>
+              <a:rPr lang="en-US" sz="3200" b="1" dirty="0">
+                <a:solidFill>
+                  <a:srgbClr val="FF0000"/>
+                </a:solidFill>
+                <a:latin typeface="Times New Roman" panose="02020603050405020304" pitchFamily="18" charset="0"/>
+                <a:cs typeface="Times New Roman" panose="02020603050405020304" pitchFamily="18" charset="0"/>
+              </a:rPr>
+              <a:t>CLARRISON KIPTIKEN</a:t>
+            </a:r>
+            <a:br>
+              <a:rPr lang="en-US" sz="3200" b="1" dirty="0">
+                <a:solidFill>
+                  <a:srgbClr val="FF0000"/>
+                </a:solidFill>
+                <a:latin typeface="Times New Roman" panose="02020603050405020304" pitchFamily="18" charset="0"/>
+                <a:cs typeface="Times New Roman" panose="02020603050405020304" pitchFamily="18" charset="0"/>
+              </a:rPr>
+            </a:br>
+            <a:r>
+              <a:rPr lang="en-US" sz="3200" b="1" dirty="0">
+                <a:solidFill>
+                  <a:srgbClr val="FF0000"/>
+                </a:solidFill>
+                <a:latin typeface="Times New Roman" panose="02020603050405020304" pitchFamily="18" charset="0"/>
+                <a:cs typeface="Times New Roman" panose="02020603050405020304" pitchFamily="18" charset="0"/>
+              </a:rPr>
+              <a:t>C025-01-2425/2019</a:t>
+            </a:r>
+            <a:br>
+              <a:rPr lang="en-US" sz="3200" b="1" dirty="0">
+                <a:solidFill>
+                  <a:srgbClr val="FF0000"/>
+                </a:solidFill>
+                <a:latin typeface="Times New Roman" panose="02020603050405020304" pitchFamily="18" charset="0"/>
+                <a:cs typeface="Times New Roman" panose="02020603050405020304" pitchFamily="18" charset="0"/>
+              </a:rPr>
+            </a:br>
+            <a:endParaRPr lang="en-US" sz="3200" b="1" dirty="0">
+              <a:solidFill>
+                <a:srgbClr val="FF0000"/>
+              </a:solidFill>
+              <a:latin typeface="Times New Roman" panose="02020603050405020304" pitchFamily="18" charset="0"/>
+              <a:cs typeface="Times New Roman" panose="02020603050405020304" pitchFamily="18" charset="0"/>
+            </a:endParaRPr>
           </a:p>
         </p:txBody>
       </p:sp>
@@ -3578,6 +3657,89 @@
 </file>
 
 <file path=ppt/slides/slide10.xml><?xml version="1.0" encoding="utf-8"?>
+<p:sld xmlns:a="http://schemas.openxmlformats.org/drawingml/2006/main" xmlns:r="http://schemas.openxmlformats.org/officeDocument/2006/relationships" xmlns:p="http://schemas.openxmlformats.org/presentationml/2006/main">
+  <p:cSld>
+    <p:spTree>
+      <p:nvGrpSpPr>
+        <p:cNvPr id="1" name=""/>
+        <p:cNvGrpSpPr/>
+        <p:nvPr/>
+      </p:nvGrpSpPr>
+      <p:grpSpPr>
+        <a:xfrm>
+          <a:off x="0" y="0"/>
+          <a:ext cx="0" cy="0"/>
+          <a:chOff x="0" y="0"/>
+          <a:chExt cx="0" cy="0"/>
+        </a:xfrm>
+      </p:grpSpPr>
+      <p:sp>
+        <p:nvSpPr>
+          <p:cNvPr id="3" name="Content Placeholder 2">
+            <a:extLst>
+              <a:ext uri="{FF2B5EF4-FFF2-40B4-BE49-F238E27FC236}">
+                <a16:creationId xmlns:a16="http://schemas.microsoft.com/office/drawing/2014/main" id="{F6D17F46-FFF3-489C-AC0E-88E4E4E4D69F}"/>
+              </a:ext>
+            </a:extLst>
+          </p:cNvPr>
+          <p:cNvSpPr>
+            <a:spLocks noGrp="1"/>
+          </p:cNvSpPr>
+          <p:nvPr>
+            <p:ph idx="1"/>
+          </p:nvPr>
+        </p:nvSpPr>
+        <p:spPr/>
+        <p:txBody>
+          <a:bodyPr>
+            <a:normAutofit/>
+          </a:bodyPr>
+          <a:lstStyle/>
+          <a:p>
+            <a:pPr marL="0" indent="0">
+              <a:buNone/>
+            </a:pPr>
+            <a:r>
+              <a:rPr lang="en-US" dirty="0"/>
+              <a:t>                                           v). </a:t>
+            </a:r>
+            <a:r>
+              <a:rPr lang="en-US" b="1" dirty="0"/>
+              <a:t>Leveraging Predictive Analytics for Environmental and Disaster Management </a:t>
+            </a:r>
+            <a:r>
+              <a:rPr lang="en-US" dirty="0"/>
+              <a:t>:</a:t>
+            </a:r>
+          </a:p>
+          <a:p>
+            <a:pPr marL="0" indent="0">
+              <a:buNone/>
+            </a:pPr>
+            <a:endParaRPr lang="en-US" dirty="0"/>
+          </a:p>
+          <a:p>
+            <a:r>
+              <a:rPr lang="en-US" dirty="0"/>
+              <a:t>Predictive analytics is a transformative tool in environmental and disaster management, enabling the anticipation of future events based on historical and real-time data. By applying advanced statistical techniques and machine learning models, organizations can forecast environmental changes and potential disaster scenarios, allowing for proactive planning and response.</a:t>
+            </a:r>
+          </a:p>
+        </p:txBody>
+      </p:sp>
+    </p:spTree>
+    <p:extLst>
+      <p:ext uri="{BB962C8B-B14F-4D97-AF65-F5344CB8AC3E}">
+        <p14:creationId xmlns:p14="http://schemas.microsoft.com/office/powerpoint/2010/main" val="327444130"/>
+      </p:ext>
+    </p:extLst>
+  </p:cSld>
+  <p:clrMapOvr>
+    <a:masterClrMapping/>
+  </p:clrMapOvr>
+</p:sld>
+</file>
+
+<file path=ppt/slides/slide11.xml><?xml version="1.0" encoding="utf-8"?>
 <p:sld xmlns:a="http://schemas.openxmlformats.org/drawingml/2006/main" xmlns:r="http://schemas.openxmlformats.org/officeDocument/2006/relationships" xmlns:p="http://schemas.openxmlformats.org/presentationml/2006/main">
   <p:cSld>
     <p:spTree>
@@ -3916,7 +4078,7 @@
 </p:sld>
 </file>
 
-<file path=ppt/slides/slide11.xml><?xml version="1.0" encoding="utf-8"?>
+<file path=ppt/slides/slide12.xml><?xml version="1.0" encoding="utf-8"?>
 <p:sld xmlns:a="http://schemas.openxmlformats.org/drawingml/2006/main" xmlns:r="http://schemas.openxmlformats.org/officeDocument/2006/relationships" xmlns:p="http://schemas.openxmlformats.org/presentationml/2006/main">
   <p:cSld>
     <p:spTree>
@@ -4028,7 +4190,7 @@
 </p:sld>
 </file>
 
-<file path=ppt/slides/slide12.xml><?xml version="1.0" encoding="utf-8"?>
+<file path=ppt/slides/slide13.xml><?xml version="1.0" encoding="utf-8"?>
 <p:sld xmlns:a="http://schemas.openxmlformats.org/drawingml/2006/main" xmlns:r="http://schemas.openxmlformats.org/officeDocument/2006/relationships" xmlns:p="http://schemas.openxmlformats.org/presentationml/2006/main">
   <p:cSld>
     <p:spTree>
@@ -4415,7 +4577,7 @@
 </p:sld>
 </file>
 
-<file path=ppt/slides/slide13.xml><?xml version="1.0" encoding="utf-8"?>
+<file path=ppt/slides/slide14.xml><?xml version="1.0" encoding="utf-8"?>
 <p:sld xmlns:a="http://schemas.openxmlformats.org/drawingml/2006/main" xmlns:r="http://schemas.openxmlformats.org/officeDocument/2006/relationships" xmlns:p="http://schemas.openxmlformats.org/presentationml/2006/main">
   <p:cSld>
     <p:spTree>
@@ -4601,51 +4763,57 @@
           <a:chExt cx="0" cy="0"/>
         </a:xfrm>
       </p:grpSpPr>
-      <p:sp>
-        <p:nvSpPr>
-          <p:cNvPr id="3" name="Content Placeholder 2">
-            <a:extLst>
-              <a:ext uri="{FF2B5EF4-FFF2-40B4-BE49-F238E27FC236}">
-                <a16:creationId xmlns:a16="http://schemas.microsoft.com/office/drawing/2014/main" id="{9980A4EB-993E-439F-890A-615BBFCBB3AE}"/>
-              </a:ext>
-            </a:extLst>
-          </p:cNvPr>
-          <p:cNvSpPr>
-            <a:spLocks noGrp="1"/>
-          </p:cNvSpPr>
-          <p:nvPr>
-            <p:ph idx="1"/>
-          </p:nvPr>
-        </p:nvSpPr>
-        <p:spPr/>
-        <p:txBody>
-          <a:bodyPr/>
-          <a:lstStyle/>
-          <a:p>
-            <a:pPr marL="0" indent="0">
-              <a:buNone/>
-            </a:pPr>
-            <a:r>
-              <a:rPr lang="en-US" dirty="0"/>
-              <a:t>                        ii). </a:t>
-            </a:r>
-            <a:r>
-              <a:rPr lang="en-US" b="1" dirty="0"/>
-              <a:t>Advanced Environmental Monitoring for Precise Change Detection</a:t>
-            </a:r>
-          </a:p>
-          <a:p>
-            <a:r>
-              <a:rPr lang="en-US" dirty="0"/>
-              <a:t>Environmental monitoring is essential for detecting and analyzing changes in our environment. Leveraging modern technologies, we can achieve more accurate and timely assessments of environmental conditions, facilitating proactive management and response strategies.</a:t>
-            </a:r>
-          </a:p>
-        </p:txBody>
-      </p:sp>
+      <p:pic>
+        <p:nvPicPr>
+          <p:cNvPr id="2050" name="Picture 2" descr="Fig. 1">
+            <a:extLst>
+              <a:ext uri="{FF2B5EF4-FFF2-40B4-BE49-F238E27FC236}">
+                <a16:creationId xmlns:a16="http://schemas.microsoft.com/office/drawing/2014/main" id="{30690860-7640-4BB2-8D1E-0F81FA7771DE}"/>
+              </a:ext>
+            </a:extLst>
+          </p:cNvPr>
+          <p:cNvPicPr>
+            <a:picLocks noChangeAspect="1" noChangeArrowheads="1"/>
+          </p:cNvPicPr>
+          <p:nvPr/>
+        </p:nvPicPr>
+        <p:blipFill>
+          <a:blip r:embed="rId2">
+            <a:extLst>
+              <a:ext uri="{28A0092B-C50C-407E-A947-70E740481C1C}">
+                <a14:useLocalDpi xmlns:a14="http://schemas.microsoft.com/office/drawing/2010/main" val="0"/>
+              </a:ext>
+            </a:extLst>
+          </a:blip>
+          <a:srcRect/>
+          <a:stretch>
+            <a:fillRect/>
+          </a:stretch>
+        </p:blipFill>
+        <p:spPr bwMode="auto">
+          <a:xfrm>
+            <a:off x="2624138" y="0"/>
+            <a:ext cx="6943725" cy="6858000"/>
+          </a:xfrm>
+          <a:prstGeom prst="rect">
+            <a:avLst/>
+          </a:prstGeom>
+          <a:noFill/>
+          <a:extLst>
+            <a:ext uri="{909E8E84-426E-40DD-AFC4-6F175D3DCCD1}">
+              <a14:hiddenFill xmlns:a14="http://schemas.microsoft.com/office/drawing/2010/main">
+                <a:solidFill>
+                  <a:srgbClr val="FFFFFF"/>
+                </a:solidFill>
+              </a14:hiddenFill>
+            </a:ext>
+          </a:extLst>
+        </p:spPr>
+      </p:pic>
     </p:spTree>
     <p:extLst>
       <p:ext uri="{BB962C8B-B14F-4D97-AF65-F5344CB8AC3E}">
-        <p14:creationId xmlns:p14="http://schemas.microsoft.com/office/powerpoint/2010/main" val="3295603455"/>
+        <p14:creationId xmlns:p14="http://schemas.microsoft.com/office/powerpoint/2010/main" val="3085328804"/>
       </p:ext>
     </p:extLst>
   </p:cSld>
@@ -4677,7 +4845,7 @@
           <p:cNvPr id="3" name="Content Placeholder 2">
             <a:extLst>
               <a:ext uri="{FF2B5EF4-FFF2-40B4-BE49-F238E27FC236}">
-                <a16:creationId xmlns:a16="http://schemas.microsoft.com/office/drawing/2014/main" id="{438BE80B-7832-485B-AF30-982CC0365BA4}"/>
+                <a16:creationId xmlns:a16="http://schemas.microsoft.com/office/drawing/2014/main" id="{9980A4EB-993E-439F-890A-615BBFCBB3AE}"/>
               </a:ext>
             </a:extLst>
           </p:cNvPr>
@@ -4690,9 +4858,7 @@
         </p:nvSpPr>
         <p:spPr/>
         <p:txBody>
-          <a:bodyPr>
-            <a:normAutofit fontScale="70000" lnSpcReduction="20000"/>
-          </a:bodyPr>
+          <a:bodyPr/>
           <a:lstStyle/>
           <a:p>
             <a:pPr marL="0" indent="0">
@@ -4700,106 +4866,17 @@
             </a:pPr>
             <a:r>
               <a:rPr lang="en-US" dirty="0"/>
-              <a:t>                                  iii). </a:t>
+              <a:t>                        ii). </a:t>
             </a:r>
             <a:r>
               <a:rPr lang="en-US" b="1" dirty="0"/>
-              <a:t>Enhancing Disaster Response Through Innovative Technology </a:t>
-            </a:r>
+              <a:t>Advanced Environmental Monitoring for Precise Change Detection</a:t>
+            </a:r>
+          </a:p>
+          <a:p>
             <a:r>
               <a:rPr lang="en-US" dirty="0"/>
-              <a:t>:</a:t>
-            </a:r>
-          </a:p>
-          <a:p>
-            <a:r>
-              <a:rPr lang="en-US" dirty="0"/>
-              <a:t>Effective disaster response hinges on timely and accurate information. By integrating advanced technologies into disaster management frameworks, we can improve coordination, resource allocation, and overall effectiveness in mitigating the impacts of environmental crises.</a:t>
-            </a:r>
-          </a:p>
-          <a:p>
-            <a:r>
-              <a:rPr lang="en-US" b="1" dirty="0"/>
-              <a:t>Key Points:</a:t>
-            </a:r>
-            <a:endParaRPr lang="en-US" dirty="0"/>
-          </a:p>
-          <a:p>
-            <a:pPr>
-              <a:buFont typeface="+mj-lt"/>
-              <a:buAutoNum type="arabicPeriod"/>
-            </a:pPr>
-            <a:r>
-              <a:rPr lang="en-US" b="1" dirty="0"/>
-              <a:t>Real-Time Data Utilization:</a:t>
-            </a:r>
-            <a:endParaRPr lang="en-US" dirty="0"/>
-          </a:p>
-          <a:p>
-            <a:pPr marL="742950" lvl="1" indent="-285750">
-              <a:buFont typeface="+mj-lt"/>
-              <a:buAutoNum type="arabicPeriod"/>
-            </a:pPr>
-            <a:r>
-              <a:rPr lang="en-US" b="1" dirty="0"/>
-              <a:t>Live Data Feeds:</a:t>
-            </a:r>
-            <a:r>
-              <a:rPr lang="en-US" dirty="0"/>
-              <a:t> Integration of real-time data from monitoring systems, social media, and emergency reports for situational awareness.</a:t>
-            </a:r>
-          </a:p>
-          <a:p>
-            <a:pPr marL="742950" lvl="1" indent="-285750">
-              <a:buFont typeface="+mj-lt"/>
-              <a:buAutoNum type="arabicPeriod"/>
-            </a:pPr>
-            <a:r>
-              <a:rPr lang="en-US" b="1" dirty="0"/>
-              <a:t>Dynamic Mapping:</a:t>
-            </a:r>
-            <a:r>
-              <a:rPr lang="en-US" dirty="0"/>
-              <a:t> Use of GIS and remote sensing data to create up-to-date maps of affected areas and infrastructure.</a:t>
-            </a:r>
-          </a:p>
-          <a:p>
-            <a:pPr>
-              <a:buFont typeface="+mj-lt"/>
-              <a:buAutoNum type="arabicPeriod"/>
-            </a:pPr>
-            <a:r>
-              <a:rPr lang="en-US" b="1" dirty="0"/>
-              <a:t>Decision Support Systems:</a:t>
-            </a:r>
-            <a:endParaRPr lang="en-US" dirty="0"/>
-          </a:p>
-          <a:p>
-            <a:pPr marL="742950" lvl="1" indent="-285750">
-              <a:buFont typeface="+mj-lt"/>
-              <a:buAutoNum type="arabicPeriod"/>
-            </a:pPr>
-            <a:r>
-              <a:rPr lang="en-US" b="1" dirty="0"/>
-              <a:t>Predictive Analytics:</a:t>
-            </a:r>
-            <a:r>
-              <a:rPr lang="en-US" dirty="0"/>
-              <a:t> Leveraging machine learning models to predict the trajectory and impact of disasters, such as hurricanes or wildfires.</a:t>
-            </a:r>
-          </a:p>
-          <a:p>
-            <a:pPr marL="742950" lvl="1" indent="-285750">
-              <a:buFont typeface="+mj-lt"/>
-              <a:buAutoNum type="arabicPeriod"/>
-            </a:pPr>
-            <a:r>
-              <a:rPr lang="en-US" b="1" dirty="0"/>
-              <a:t>Scenario Planning:</a:t>
-            </a:r>
-            <a:r>
-              <a:rPr lang="en-US" dirty="0"/>
-              <a:t> Simulation tools to assess different response strategies and their potential outcomes</a:t>
+              <a:t>Environmental monitoring is essential for detecting and analyzing changes in our environment. Leveraging modern technologies, we can achieve more accurate and timely assessments of environmental conditions, facilitating proactive management and response strategies.</a:t>
             </a:r>
           </a:p>
         </p:txBody>
@@ -4807,7 +4884,7 @@
     </p:spTree>
     <p:extLst>
       <p:ext uri="{BB962C8B-B14F-4D97-AF65-F5344CB8AC3E}">
-        <p14:creationId xmlns:p14="http://schemas.microsoft.com/office/powerpoint/2010/main" val="4189917113"/>
+        <p14:creationId xmlns:p14="http://schemas.microsoft.com/office/powerpoint/2010/main" val="3295603455"/>
       </p:ext>
     </p:extLst>
   </p:cSld>
@@ -4839,7 +4916,7 @@
           <p:cNvPr id="3" name="Content Placeholder 2">
             <a:extLst>
               <a:ext uri="{FF2B5EF4-FFF2-40B4-BE49-F238E27FC236}">
-                <a16:creationId xmlns:a16="http://schemas.microsoft.com/office/drawing/2014/main" id="{3FA5CA83-837A-4EA2-B9CD-870305632941}"/>
+                <a16:creationId xmlns:a16="http://schemas.microsoft.com/office/drawing/2014/main" id="{438BE80B-7832-485B-AF30-982CC0365BA4}"/>
               </a:ext>
             </a:extLst>
           </p:cNvPr>
@@ -4853,91 +4930,123 @@
         <p:spPr/>
         <p:txBody>
           <a:bodyPr>
-            <a:normAutofit fontScale="92500"/>
+            <a:normAutofit fontScale="70000" lnSpcReduction="20000"/>
           </a:bodyPr>
           <a:lstStyle/>
           <a:p>
+            <a:pPr marL="0" indent="0">
+              <a:buNone/>
+            </a:pPr>
+            <a:r>
+              <a:rPr lang="en-US" dirty="0"/>
+              <a:t>                                  iii). </a:t>
+            </a:r>
             <a:r>
               <a:rPr lang="en-US" b="1" dirty="0"/>
-              <a:t>Communication and Coordination:</a:t>
+              <a:t>Enhancing Disaster Response Through Innovative Technology </a:t>
+            </a:r>
+            <a:r>
+              <a:rPr lang="en-US" dirty="0"/>
+              <a:t>:</a:t>
+            </a:r>
+          </a:p>
+          <a:p>
+            <a:r>
+              <a:rPr lang="en-US" dirty="0"/>
+              <a:t>Effective disaster response hinges on timely and accurate information. By integrating advanced technologies into disaster management frameworks, we can improve coordination, resource allocation, and overall effectiveness in mitigating the impacts of environmental crises.</a:t>
+            </a:r>
+          </a:p>
+          <a:p>
+            <a:r>
+              <a:rPr lang="en-US" b="1" dirty="0"/>
+              <a:t>Key Points:</a:t>
             </a:r>
             <a:endParaRPr lang="en-US" dirty="0"/>
           </a:p>
           <a:p>
             <a:pPr>
-              <a:buFont typeface="Arial" panose="020B0604020202020204" pitchFamily="34" charset="0"/>
-              <a:buChar char="•"/>
+              <a:buFont typeface="+mj-lt"/>
+              <a:buAutoNum type="arabicPeriod"/>
             </a:pPr>
             <a:r>
               <a:rPr lang="en-US" b="1" dirty="0"/>
-              <a:t>Emergency Communication Networks:</a:t>
+              <a:t>Real-Time Data Utilization:</a:t>
+            </a:r>
+            <a:endParaRPr lang="en-US" dirty="0"/>
+          </a:p>
+          <a:p>
+            <a:pPr marL="742950" lvl="1" indent="-285750">
+              <a:buFont typeface="+mj-lt"/>
+              <a:buAutoNum type="arabicPeriod"/>
+            </a:pPr>
+            <a:r>
+              <a:rPr lang="en-US" b="1" dirty="0"/>
+              <a:t>Live Data Feeds:</a:t>
             </a:r>
             <a:r>
               <a:rPr lang="en-US" dirty="0"/>
-              <a:t> Implementation of resilient communication systems for coordination among responders and agencies.</a:t>
+              <a:t> Integration of real-time data from monitoring systems, social media, and emergency reports for situational awareness.</a:t>
+            </a:r>
+          </a:p>
+          <a:p>
+            <a:pPr marL="742950" lvl="1" indent="-285750">
+              <a:buFont typeface="+mj-lt"/>
+              <a:buAutoNum type="arabicPeriod"/>
+            </a:pPr>
+            <a:r>
+              <a:rPr lang="en-US" b="1" dirty="0"/>
+              <a:t>Dynamic Mapping:</a:t>
+            </a:r>
+            <a:r>
+              <a:rPr lang="en-US" dirty="0"/>
+              <a:t> Use of GIS and remote sensing data to create up-to-date maps of affected areas and infrastructure.</a:t>
             </a:r>
           </a:p>
           <a:p>
             <a:pPr>
-              <a:buFont typeface="Arial" panose="020B0604020202020204" pitchFamily="34" charset="0"/>
-              <a:buChar char="•"/>
+              <a:buFont typeface="+mj-lt"/>
+              <a:buAutoNum type="arabicPeriod"/>
             </a:pPr>
             <a:r>
               <a:rPr lang="en-US" b="1" dirty="0"/>
-              <a:t>Public Alerts:</a:t>
+              <a:t>Decision Support Systems:</a:t>
+            </a:r>
+            <a:endParaRPr lang="en-US" dirty="0"/>
+          </a:p>
+          <a:p>
+            <a:pPr marL="742950" lvl="1" indent="-285750">
+              <a:buFont typeface="+mj-lt"/>
+              <a:buAutoNum type="arabicPeriod"/>
+            </a:pPr>
+            <a:r>
+              <a:rPr lang="en-US" b="1" dirty="0"/>
+              <a:t>Predictive Analytics:</a:t>
             </a:r>
             <a:r>
               <a:rPr lang="en-US" dirty="0"/>
-              <a:t> Automated alert systems to inform and guide the public during crises.</a:t>
-            </a:r>
-          </a:p>
-          <a:p>
+              <a:t> Leveraging machine learning models to predict the trajectory and impact of disasters, such as hurricanes or wildfires.</a:t>
+            </a:r>
+          </a:p>
+          <a:p>
+            <a:pPr marL="742950" lvl="1" indent="-285750">
+              <a:buFont typeface="+mj-lt"/>
+              <a:buAutoNum type="arabicPeriod"/>
+            </a:pPr>
             <a:r>
               <a:rPr lang="en-US" b="1" dirty="0"/>
-              <a:t>Resource Management:</a:t>
-            </a:r>
-            <a:endParaRPr lang="en-US" dirty="0"/>
-          </a:p>
-          <a:p>
-            <a:pPr>
-              <a:buFont typeface="Arial" panose="020B0604020202020204" pitchFamily="34" charset="0"/>
-              <a:buChar char="•"/>
-            </a:pPr>
-            <a:r>
-              <a:rPr lang="en-US" b="1" dirty="0"/>
-              <a:t>Logistics and Supply Chain Management:</a:t>
+              <a:t>Scenario Planning:</a:t>
             </a:r>
             <a:r>
               <a:rPr lang="en-US" dirty="0"/>
-              <a:t> Tools for tracking and optimizing the distribution of resources such as food, medical supplies, and personnel.</a:t>
-            </a:r>
-          </a:p>
-          <a:p>
-            <a:pPr>
-              <a:buFont typeface="Arial" panose="020B0604020202020204" pitchFamily="34" charset="0"/>
-              <a:buChar char="•"/>
-            </a:pPr>
-            <a:r>
-              <a:rPr lang="en-US" b="1" dirty="0"/>
-              <a:t>Asset Tracking:</a:t>
-            </a:r>
-            <a:r>
-              <a:rPr lang="en-US" dirty="0"/>
-              <a:t> Real-time tracking of equipment and resources to ensure efficient deployment.</a:t>
-            </a:r>
-          </a:p>
-          <a:p>
-            <a:pPr marL="0" indent="0">
-              <a:buNone/>
-            </a:pPr>
-            <a:endParaRPr lang="en-US" dirty="0"/>
+              <a:t> Simulation tools to assess different response strategies and their potential outcomes</a:t>
+            </a:r>
           </a:p>
         </p:txBody>
       </p:sp>
     </p:spTree>
     <p:extLst>
       <p:ext uri="{BB962C8B-B14F-4D97-AF65-F5344CB8AC3E}">
-        <p14:creationId xmlns:p14="http://schemas.microsoft.com/office/powerpoint/2010/main" val="1031572032"/>
+        <p14:creationId xmlns:p14="http://schemas.microsoft.com/office/powerpoint/2010/main" val="4189917113"/>
       </p:ext>
     </p:extLst>
   </p:cSld>
@@ -4969,7 +5078,7 @@
           <p:cNvPr id="3" name="Content Placeholder 2">
             <a:extLst>
               <a:ext uri="{FF2B5EF4-FFF2-40B4-BE49-F238E27FC236}">
-                <a16:creationId xmlns:a16="http://schemas.microsoft.com/office/drawing/2014/main" id="{E6DB4282-20B9-4361-BCA4-C8F80C0D579A}"/>
+                <a16:creationId xmlns:a16="http://schemas.microsoft.com/office/drawing/2014/main" id="{3FA5CA83-837A-4EA2-B9CD-870305632941}"/>
               </a:ext>
             </a:extLst>
           </p:cNvPr>
@@ -4982,51 +5091,14 @@
         </p:nvSpPr>
         <p:spPr/>
         <p:txBody>
-          <a:bodyPr/>
-          <a:lstStyle/>
-          <a:p>
-            <a:pPr>
-              <a:buFont typeface="+mj-lt"/>
-              <a:buAutoNum type="arabicPeriod"/>
-            </a:pPr>
+          <a:bodyPr>
+            <a:normAutofit fontScale="92500"/>
+          </a:bodyPr>
+          <a:lstStyle/>
+          <a:p>
             <a:r>
               <a:rPr lang="en-US" b="1" dirty="0"/>
-              <a:t>Post-Disaster Analysis and Improvement:</a:t>
-            </a:r>
-            <a:endParaRPr lang="en-US" dirty="0"/>
-          </a:p>
-          <a:p>
-            <a:pPr marL="742950" lvl="1" indent="-285750">
-              <a:buFont typeface="+mj-lt"/>
-              <a:buAutoNum type="arabicPeriod"/>
-            </a:pPr>
-            <a:r>
-              <a:rPr lang="en-US" b="1" dirty="0"/>
-              <a:t>Impact Assessment:</a:t>
-            </a:r>
-            <a:r>
-              <a:rPr lang="en-US" dirty="0"/>
-              <a:t> Tools for assessing damage and recovery needs using data collected during and after the disaster.</a:t>
-            </a:r>
-          </a:p>
-          <a:p>
-            <a:pPr marL="742950" lvl="1" indent="-285750">
-              <a:buFont typeface="+mj-lt"/>
-              <a:buAutoNum type="arabicPeriod"/>
-            </a:pPr>
-            <a:r>
-              <a:rPr lang="en-US" b="1" dirty="0"/>
-              <a:t>Lessons Learned:</a:t>
-            </a:r>
-            <a:r>
-              <a:rPr lang="en-US" dirty="0"/>
-              <a:t> Analyzing response effectiveness to improve future disaster management practices.</a:t>
-            </a:r>
-          </a:p>
-          <a:p>
-            <a:r>
-              <a:rPr lang="en-US" b="1" dirty="0"/>
-              <a:t>Visuals:</a:t>
+              <a:t>Communication and Coordination:</a:t>
             </a:r>
             <a:endParaRPr lang="en-US" dirty="0"/>
           </a:p>
@@ -5036,8 +5108,12 @@
               <a:buChar char="•"/>
             </a:pPr>
             <a:r>
+              <a:rPr lang="en-US" b="1" dirty="0"/>
+              <a:t>Emergency Communication Networks:</a:t>
+            </a:r>
+            <a:r>
               <a:rPr lang="en-US" dirty="0"/>
-              <a:t>Flowchart of disaster response process with technology integration.</a:t>
+              <a:t> Implementation of resilient communication systems for coordination among responders and agencies.</a:t>
             </a:r>
           </a:p>
           <a:p>
@@ -5046,9 +5122,20 @@
               <a:buChar char="•"/>
             </a:pPr>
             <a:r>
+              <a:rPr lang="en-US" b="1" dirty="0"/>
+              <a:t>Public Alerts:</a:t>
+            </a:r>
+            <a:r>
               <a:rPr lang="en-US" dirty="0"/>
-              <a:t>Screenshots of decision support systems and real-time mapping tools.</a:t>
-            </a:r>
+              <a:t> Automated alert systems to inform and guide the public during crises.</a:t>
+            </a:r>
+          </a:p>
+          <a:p>
+            <a:r>
+              <a:rPr lang="en-US" b="1" dirty="0"/>
+              <a:t>Resource Management:</a:t>
+            </a:r>
+            <a:endParaRPr lang="en-US" dirty="0"/>
           </a:p>
           <a:p>
             <a:pPr>
@@ -5056,16 +5143,40 @@
               <a:buChar char="•"/>
             </a:pPr>
             <a:r>
+              <a:rPr lang="en-US" b="1" dirty="0"/>
+              <a:t>Logistics and Supply Chain Management:</a:t>
+            </a:r>
+            <a:r>
               <a:rPr lang="en-US" dirty="0"/>
-              <a:t>Examples of emergency communication alerts and resource management dashboards.</a:t>
-            </a:r>
+              <a:t> Tools for tracking and optimizing the distribution of resources such as food, medical supplies, and personnel.</a:t>
+            </a:r>
+          </a:p>
+          <a:p>
+            <a:pPr>
+              <a:buFont typeface="Arial" panose="020B0604020202020204" pitchFamily="34" charset="0"/>
+              <a:buChar char="•"/>
+            </a:pPr>
+            <a:r>
+              <a:rPr lang="en-US" b="1" dirty="0"/>
+              <a:t>Asset Tracking:</a:t>
+            </a:r>
+            <a:r>
+              <a:rPr lang="en-US" dirty="0"/>
+              <a:t> Real-time tracking of equipment and resources to ensure efficient deployment.</a:t>
+            </a:r>
+          </a:p>
+          <a:p>
+            <a:pPr marL="0" indent="0">
+              <a:buNone/>
+            </a:pPr>
+            <a:endParaRPr lang="en-US" dirty="0"/>
           </a:p>
         </p:txBody>
       </p:sp>
     </p:spTree>
     <p:extLst>
       <p:ext uri="{BB962C8B-B14F-4D97-AF65-F5344CB8AC3E}">
-        <p14:creationId xmlns:p14="http://schemas.microsoft.com/office/powerpoint/2010/main" val="1877107136"/>
+        <p14:creationId xmlns:p14="http://schemas.microsoft.com/office/powerpoint/2010/main" val="1031572032"/>
       </p:ext>
     </p:extLst>
   </p:cSld>
@@ -5097,7 +5208,7 @@
           <p:cNvPr id="3" name="Content Placeholder 2">
             <a:extLst>
               <a:ext uri="{FF2B5EF4-FFF2-40B4-BE49-F238E27FC236}">
-                <a16:creationId xmlns:a16="http://schemas.microsoft.com/office/drawing/2014/main" id="{8F4AAD64-8003-466D-A426-40DD2720237B}"/>
+                <a16:creationId xmlns:a16="http://schemas.microsoft.com/office/drawing/2014/main" id="{E6DB4282-20B9-4361-BCA4-C8F80C0D579A}"/>
               </a:ext>
             </a:extLst>
           </p:cNvPr>
@@ -5110,31 +5221,82 @@
         </p:nvSpPr>
         <p:spPr/>
         <p:txBody>
-          <a:bodyPr>
-            <a:normAutofit/>
-          </a:bodyPr>
-          <a:lstStyle/>
-          <a:p>
-            <a:pPr marL="0" indent="0">
-              <a:buNone/>
+          <a:bodyPr/>
+          <a:lstStyle/>
+          <a:p>
+            <a:pPr>
+              <a:buFont typeface="+mj-lt"/>
+              <a:buAutoNum type="arabicPeriod"/>
             </a:pPr>
             <a:r>
+              <a:rPr lang="en-US" b="1" dirty="0"/>
+              <a:t>Post-Disaster Analysis and Improvement:</a:t>
+            </a:r>
+            <a:endParaRPr lang="en-US" dirty="0"/>
+          </a:p>
+          <a:p>
+            <a:pPr marL="742950" lvl="1" indent="-285750">
+              <a:buFont typeface="+mj-lt"/>
+              <a:buAutoNum type="arabicPeriod"/>
+            </a:pPr>
+            <a:r>
+              <a:rPr lang="en-US" b="1" dirty="0"/>
+              <a:t>Impact Assessment:</a:t>
+            </a:r>
+            <a:r>
               <a:rPr lang="en-US" dirty="0"/>
-              <a:t>                                      iv). </a:t>
-            </a:r>
+              <a:t> Tools for assessing damage and recovery needs using data collected during and after the disaster.</a:t>
+            </a:r>
+          </a:p>
+          <a:p>
+            <a:pPr marL="742950" lvl="1" indent="-285750">
+              <a:buFont typeface="+mj-lt"/>
+              <a:buAutoNum type="arabicPeriod"/>
+            </a:pPr>
             <a:r>
               <a:rPr lang="en-US" b="1" dirty="0"/>
-              <a:t>Optimizing Resource Management Through Technology </a:t>
+              <a:t>Lessons Learned:</a:t>
             </a:r>
             <a:r>
               <a:rPr lang="en-US" dirty="0"/>
-              <a:t>:</a:t>
-            </a:r>
-          </a:p>
-          <a:p>
+              <a:t> Analyzing response effectiveness to improve future disaster management practices.</a:t>
+            </a:r>
+          </a:p>
+          <a:p>
+            <a:r>
+              <a:rPr lang="en-US" b="1" dirty="0"/>
+              <a:t>Visuals:</a:t>
+            </a:r>
+            <a:endParaRPr lang="en-US" dirty="0"/>
+          </a:p>
+          <a:p>
+            <a:pPr>
+              <a:buFont typeface="Arial" panose="020B0604020202020204" pitchFamily="34" charset="0"/>
+              <a:buChar char="•"/>
+            </a:pPr>
             <a:r>
               <a:rPr lang="en-US" dirty="0"/>
-              <a:t>Effective resource management is crucial for disaster response and long-term environmental sustainability. By leveraging advanced technologies, we can optimize the allocation, tracking, and utilization of resources, ensuring that critical needs are met efficiently and equitably.</a:t>
+              <a:t>Flowchart of disaster response process with technology integration.</a:t>
+            </a:r>
+          </a:p>
+          <a:p>
+            <a:pPr>
+              <a:buFont typeface="Arial" panose="020B0604020202020204" pitchFamily="34" charset="0"/>
+              <a:buChar char="•"/>
+            </a:pPr>
+            <a:r>
+              <a:rPr lang="en-US" dirty="0"/>
+              <a:t>Screenshots of decision support systems and real-time mapping tools.</a:t>
+            </a:r>
+          </a:p>
+          <a:p>
+            <a:pPr>
+              <a:buFont typeface="Arial" panose="020B0604020202020204" pitchFamily="34" charset="0"/>
+              <a:buChar char="•"/>
+            </a:pPr>
+            <a:r>
+              <a:rPr lang="en-US" dirty="0"/>
+              <a:t>Examples of emergency communication alerts and resource management dashboards.</a:t>
             </a:r>
           </a:p>
         </p:txBody>
@@ -5142,7 +5304,7 @@
     </p:spTree>
     <p:extLst>
       <p:ext uri="{BB962C8B-B14F-4D97-AF65-F5344CB8AC3E}">
-        <p14:creationId xmlns:p14="http://schemas.microsoft.com/office/powerpoint/2010/main" val="3599451886"/>
+        <p14:creationId xmlns:p14="http://schemas.microsoft.com/office/powerpoint/2010/main" val="1877107136"/>
       </p:ext>
     </p:extLst>
   </p:cSld>
@@ -5174,7 +5336,7 @@
           <p:cNvPr id="3" name="Content Placeholder 2">
             <a:extLst>
               <a:ext uri="{FF2B5EF4-FFF2-40B4-BE49-F238E27FC236}">
-                <a16:creationId xmlns:a16="http://schemas.microsoft.com/office/drawing/2014/main" id="{40DB8EA5-D24C-4B79-A851-B08236E4A497}"/>
+                <a16:creationId xmlns:a16="http://schemas.microsoft.com/office/drawing/2014/main" id="{8F4AAD64-8003-466D-A426-40DD2720237B}"/>
               </a:ext>
             </a:extLst>
           </p:cNvPr>
@@ -5187,73 +5349,39 @@
         </p:nvSpPr>
         <p:spPr/>
         <p:txBody>
-          <a:bodyPr/>
-          <a:lstStyle/>
-          <a:p>
+          <a:bodyPr>
+            <a:normAutofit/>
+          </a:bodyPr>
+          <a:lstStyle/>
+          <a:p>
+            <a:pPr marL="0" indent="0">
+              <a:buNone/>
+            </a:pPr>
+            <a:r>
+              <a:rPr lang="en-US" dirty="0"/>
+              <a:t>                                      iv). </a:t>
+            </a:r>
             <a:r>
               <a:rPr lang="en-US" b="1" dirty="0"/>
-              <a:t>Real-Time Resource Tracking:</a:t>
-            </a:r>
-            <a:endParaRPr lang="en-US" dirty="0"/>
-          </a:p>
-          <a:p>
-            <a:pPr>
-              <a:buFont typeface="Arial" panose="020B0604020202020204" pitchFamily="34" charset="0"/>
-              <a:buChar char="•"/>
-            </a:pPr>
-            <a:r>
-              <a:rPr lang="en-US" b="1" dirty="0"/>
-              <a:t>Asset Management Systems:</a:t>
+              <a:t>Optimizing Resource Management Through Technology </a:t>
             </a:r>
             <a:r>
               <a:rPr lang="en-US" dirty="0"/>
-              <a:t> Use of RFID and GPS technologies to monitor the location and status of equipment and supplies.</a:t>
-            </a:r>
-          </a:p>
-          <a:p>
-            <a:pPr>
-              <a:buFont typeface="Arial" panose="020B0604020202020204" pitchFamily="34" charset="0"/>
-              <a:buChar char="•"/>
-            </a:pPr>
-            <a:r>
-              <a:rPr lang="en-US" b="1" dirty="0"/>
-              <a:t>Inventory Management:</a:t>
-            </a:r>
+              <a:t>:</a:t>
+            </a:r>
+          </a:p>
+          <a:p>
             <a:r>
               <a:rPr lang="en-US" dirty="0"/>
-              <a:t> Real-time tracking of inventory levels to prevent shortages and surplus.</a:t>
-            </a:r>
-          </a:p>
-          <a:p>
-            <a:r>
-              <a:rPr lang="en-US" b="1" dirty="0"/>
-              <a:t>Data-Driven Decision Making:</a:t>
-            </a:r>
-            <a:endParaRPr lang="en-US" dirty="0"/>
-          </a:p>
-          <a:p>
-            <a:pPr>
-              <a:buFont typeface="Arial" panose="020B0604020202020204" pitchFamily="34" charset="0"/>
-              <a:buChar char="•"/>
-            </a:pPr>
-            <a:r>
-              <a:rPr lang="en-US" b="1" dirty="0"/>
-              <a:t>Demand Forecasting:</a:t>
-            </a:r>
-            <a:r>
-              <a:rPr lang="en-US" dirty="0"/>
-              <a:t> Predictive analytics to estimate resource needs based on historical data and real-time conditions.</a:t>
-            </a:r>
-          </a:p>
-          <a:p>
-            <a:endParaRPr lang="en-US" dirty="0"/>
+              <a:t>Effective resource management is crucial for disaster response and long-term environmental sustainability. By leveraging advanced technologies, we can optimize the allocation, tracking, and utilization of resources, ensuring that critical needs are met efficiently and equitably.</a:t>
+            </a:r>
           </a:p>
         </p:txBody>
       </p:sp>
     </p:spTree>
     <p:extLst>
       <p:ext uri="{BB962C8B-B14F-4D97-AF65-F5344CB8AC3E}">
-        <p14:creationId xmlns:p14="http://schemas.microsoft.com/office/powerpoint/2010/main" val="1915135625"/>
+        <p14:creationId xmlns:p14="http://schemas.microsoft.com/office/powerpoint/2010/main" val="3599451886"/>
       </p:ext>
     </p:extLst>
   </p:cSld>
@@ -5285,7 +5413,7 @@
           <p:cNvPr id="3" name="Content Placeholder 2">
             <a:extLst>
               <a:ext uri="{FF2B5EF4-FFF2-40B4-BE49-F238E27FC236}">
-                <a16:creationId xmlns:a16="http://schemas.microsoft.com/office/drawing/2014/main" id="{F6D17F46-FFF3-489C-AC0E-88E4E4E4D69F}"/>
+                <a16:creationId xmlns:a16="http://schemas.microsoft.com/office/drawing/2014/main" id="{40DB8EA5-D24C-4B79-A851-B08236E4A497}"/>
               </a:ext>
             </a:extLst>
           </p:cNvPr>
@@ -5298,45 +5426,73 @@
         </p:nvSpPr>
         <p:spPr/>
         <p:txBody>
-          <a:bodyPr>
-            <a:normAutofit/>
-          </a:bodyPr>
-          <a:lstStyle/>
-          <a:p>
-            <a:pPr marL="0" indent="0">
-              <a:buNone/>
+          <a:bodyPr/>
+          <a:lstStyle/>
+          <a:p>
+            <a:r>
+              <a:rPr lang="en-US" b="1" dirty="0"/>
+              <a:t>Real-Time Resource Tracking:</a:t>
+            </a:r>
+            <a:endParaRPr lang="en-US" dirty="0"/>
+          </a:p>
+          <a:p>
+            <a:pPr>
+              <a:buFont typeface="Arial" panose="020B0604020202020204" pitchFamily="34" charset="0"/>
+              <a:buChar char="•"/>
             </a:pPr>
             <a:r>
+              <a:rPr lang="en-US" b="1" dirty="0"/>
+              <a:t>Asset Management Systems:</a:t>
+            </a:r>
+            <a:r>
               <a:rPr lang="en-US" dirty="0"/>
-              <a:t>                                           v). </a:t>
-            </a:r>
+              <a:t> Use of RFID and GPS technologies to monitor the location and status of equipment and supplies.</a:t>
+            </a:r>
+          </a:p>
+          <a:p>
+            <a:pPr>
+              <a:buFont typeface="Arial" panose="020B0604020202020204" pitchFamily="34" charset="0"/>
+              <a:buChar char="•"/>
+            </a:pPr>
             <a:r>
               <a:rPr lang="en-US" b="1" dirty="0"/>
-              <a:t>Leveraging Predictive Analytics for Environmental and Disaster Management </a:t>
+              <a:t>Inventory Management:</a:t>
             </a:r>
             <a:r>
               <a:rPr lang="en-US" dirty="0"/>
-              <a:t>:</a:t>
-            </a:r>
-          </a:p>
-          <a:p>
-            <a:pPr marL="0" indent="0">
-              <a:buNone/>
+              <a:t> Real-time tracking of inventory levels to prevent shortages and surplus.</a:t>
+            </a:r>
+          </a:p>
+          <a:p>
+            <a:r>
+              <a:rPr lang="en-US" b="1" dirty="0"/>
+              <a:t>Data-Driven Decision Making:</a:t>
+            </a:r>
+            <a:endParaRPr lang="en-US" dirty="0"/>
+          </a:p>
+          <a:p>
+            <a:pPr>
+              <a:buFont typeface="Arial" panose="020B0604020202020204" pitchFamily="34" charset="0"/>
+              <a:buChar char="•"/>
             </a:pPr>
+            <a:r>
+              <a:rPr lang="en-US" b="1" dirty="0"/>
+              <a:t>Demand Forecasting:</a:t>
+            </a:r>
+            <a:r>
+              <a:rPr lang="en-US" dirty="0"/>
+              <a:t> Predictive analytics to estimate resource needs based on historical data and real-time conditions.</a:t>
+            </a:r>
+          </a:p>
+          <a:p>
             <a:endParaRPr lang="en-US" dirty="0"/>
-          </a:p>
-          <a:p>
-            <a:r>
-              <a:rPr lang="en-US" dirty="0"/>
-              <a:t>Predictive analytics is a transformative tool in environmental and disaster management, enabling the anticipation of future events based on historical and real-time data. By applying advanced statistical techniques and machine learning models, organizations can forecast environmental changes and potential disaster scenarios, allowing for proactive planning and response.</a:t>
-            </a:r>
           </a:p>
         </p:txBody>
       </p:sp>
     </p:spTree>
     <p:extLst>
       <p:ext uri="{BB962C8B-B14F-4D97-AF65-F5344CB8AC3E}">
-        <p14:creationId xmlns:p14="http://schemas.microsoft.com/office/powerpoint/2010/main" val="327444130"/>
+        <p14:creationId xmlns:p14="http://schemas.microsoft.com/office/powerpoint/2010/main" val="1915135625"/>
       </p:ext>
     </p:extLst>
   </p:cSld>
